--- a/code/plots/supplementary_information/SI_1.pptx
+++ b/code/plots/supplementary_information/SI_1.pptx
@@ -254,7 +254,7 @@
           <a:p>
             <a:fld id="{F33270D7-DAEF-094C-A93A-4B6FF7821B16}" type="datetimeFigureOut">
               <a:rPr lang="en-GB" smtClean="0"/>
-              <a:t>25/02/2022</a:t>
+              <a:t>17/03/2022</a:t>
             </a:fld>
             <a:endParaRPr lang="en-GB"/>
           </a:p>
@@ -424,7 +424,7 @@
           <a:p>
             <a:fld id="{F33270D7-DAEF-094C-A93A-4B6FF7821B16}" type="datetimeFigureOut">
               <a:rPr lang="en-GB" smtClean="0"/>
-              <a:t>25/02/2022</a:t>
+              <a:t>17/03/2022</a:t>
             </a:fld>
             <a:endParaRPr lang="en-GB"/>
           </a:p>
@@ -604,7 +604,7 @@
           <a:p>
             <a:fld id="{F33270D7-DAEF-094C-A93A-4B6FF7821B16}" type="datetimeFigureOut">
               <a:rPr lang="en-GB" smtClean="0"/>
-              <a:t>25/02/2022</a:t>
+              <a:t>17/03/2022</a:t>
             </a:fld>
             <a:endParaRPr lang="en-GB"/>
           </a:p>
@@ -774,7 +774,7 @@
           <a:p>
             <a:fld id="{F33270D7-DAEF-094C-A93A-4B6FF7821B16}" type="datetimeFigureOut">
               <a:rPr lang="en-GB" smtClean="0"/>
-              <a:t>25/02/2022</a:t>
+              <a:t>17/03/2022</a:t>
             </a:fld>
             <a:endParaRPr lang="en-GB"/>
           </a:p>
@@ -1018,7 +1018,7 @@
           <a:p>
             <a:fld id="{F33270D7-DAEF-094C-A93A-4B6FF7821B16}" type="datetimeFigureOut">
               <a:rPr lang="en-GB" smtClean="0"/>
-              <a:t>25/02/2022</a:t>
+              <a:t>17/03/2022</a:t>
             </a:fld>
             <a:endParaRPr lang="en-GB"/>
           </a:p>
@@ -1250,7 +1250,7 @@
           <a:p>
             <a:fld id="{F33270D7-DAEF-094C-A93A-4B6FF7821B16}" type="datetimeFigureOut">
               <a:rPr lang="en-GB" smtClean="0"/>
-              <a:t>25/02/2022</a:t>
+              <a:t>17/03/2022</a:t>
             </a:fld>
             <a:endParaRPr lang="en-GB"/>
           </a:p>
@@ -1617,7 +1617,7 @@
           <a:p>
             <a:fld id="{F33270D7-DAEF-094C-A93A-4B6FF7821B16}" type="datetimeFigureOut">
               <a:rPr lang="en-GB" smtClean="0"/>
-              <a:t>25/02/2022</a:t>
+              <a:t>17/03/2022</a:t>
             </a:fld>
             <a:endParaRPr lang="en-GB"/>
           </a:p>
@@ -1735,7 +1735,7 @@
           <a:p>
             <a:fld id="{F33270D7-DAEF-094C-A93A-4B6FF7821B16}" type="datetimeFigureOut">
               <a:rPr lang="en-GB" smtClean="0"/>
-              <a:t>25/02/2022</a:t>
+              <a:t>17/03/2022</a:t>
             </a:fld>
             <a:endParaRPr lang="en-GB"/>
           </a:p>
@@ -1830,7 +1830,7 @@
           <a:p>
             <a:fld id="{F33270D7-DAEF-094C-A93A-4B6FF7821B16}" type="datetimeFigureOut">
               <a:rPr lang="en-GB" smtClean="0"/>
-              <a:t>25/02/2022</a:t>
+              <a:t>17/03/2022</a:t>
             </a:fld>
             <a:endParaRPr lang="en-GB"/>
           </a:p>
@@ -2107,7 +2107,7 @@
           <a:p>
             <a:fld id="{F33270D7-DAEF-094C-A93A-4B6FF7821B16}" type="datetimeFigureOut">
               <a:rPr lang="en-GB" smtClean="0"/>
-              <a:t>25/02/2022</a:t>
+              <a:t>17/03/2022</a:t>
             </a:fld>
             <a:endParaRPr lang="en-GB"/>
           </a:p>
@@ -2364,7 +2364,7 @@
           <a:p>
             <a:fld id="{F33270D7-DAEF-094C-A93A-4B6FF7821B16}" type="datetimeFigureOut">
               <a:rPr lang="en-GB" smtClean="0"/>
-              <a:t>25/02/2022</a:t>
+              <a:t>17/03/2022</a:t>
             </a:fld>
             <a:endParaRPr lang="en-GB"/>
           </a:p>
@@ -2577,7 +2577,7 @@
           <a:p>
             <a:fld id="{F33270D7-DAEF-094C-A93A-4B6FF7821B16}" type="datetimeFigureOut">
               <a:rPr lang="en-GB" smtClean="0"/>
-              <a:t>25/02/2022</a:t>
+              <a:t>17/03/2022</a:t>
             </a:fld>
             <a:endParaRPr lang="en-GB"/>
           </a:p>
@@ -2984,10 +2984,10 @@
       </p:grpSpPr>
       <p:pic>
         <p:nvPicPr>
-          <p:cNvPr id="3" name="Picture 2">
+          <p:cNvPr id="4" name="Picture 3">
             <a:extLst>
               <a:ext uri="{FF2B5EF4-FFF2-40B4-BE49-F238E27FC236}">
-                <a16:creationId xmlns:a16="http://schemas.microsoft.com/office/drawing/2014/main" id="{4C36B02D-B5EC-D748-82E8-0E87E69BA555}"/>
+                <a16:creationId xmlns:a16="http://schemas.microsoft.com/office/drawing/2014/main" id="{BAF95B06-00D3-854C-AFAC-12FD617C8829}"/>
               </a:ext>
             </a:extLst>
           </p:cNvPr>
@@ -3004,7 +3004,7 @@
         </p:blipFill>
         <p:spPr>
           <a:xfrm>
-            <a:off x="60430" y="0"/>
+            <a:off x="-9618" y="4113477"/>
             <a:ext cx="6858000" cy="4113477"/>
           </a:xfrm>
           <a:prstGeom prst="rect">
@@ -3014,10 +3014,10 @@
       </p:pic>
       <p:pic>
         <p:nvPicPr>
-          <p:cNvPr id="7" name="Picture 6">
+          <p:cNvPr id="6" name="Picture 5">
             <a:extLst>
               <a:ext uri="{FF2B5EF4-FFF2-40B4-BE49-F238E27FC236}">
-                <a16:creationId xmlns:a16="http://schemas.microsoft.com/office/drawing/2014/main" id="{E3969159-6220-EF41-AFC8-E1637554ABE5}"/>
+                <a16:creationId xmlns:a16="http://schemas.microsoft.com/office/drawing/2014/main" id="{B17A0ACE-C3B4-7A47-BB74-A196779FDAD8}"/>
               </a:ext>
             </a:extLst>
           </p:cNvPr>
@@ -3034,7 +3034,7 @@
         </p:blipFill>
         <p:spPr>
           <a:xfrm>
-            <a:off x="0" y="4113477"/>
+            <a:off x="-9618" y="0"/>
             <a:ext cx="6858000" cy="4113477"/>
           </a:xfrm>
           <a:prstGeom prst="rect">
